--- a/format-standardify/files/Doc/Презентация Microsoft PowerPoint.pptx
+++ b/format-standardify/files/Doc/Презентация Microsoft PowerPoint.pptx
@@ -5,10 +5,11 @@
     <p:sldMasterId id="2147483648" r:id="rId1"/>
   </p:sldMasterIdLst>
   <p:notesMasterIdLst>
-    <p:notesMasterId r:id="rId3"/>
+    <p:notesMasterId r:id="rId4"/>
   </p:notesMasterIdLst>
   <p:sldIdLst>
     <p:sldId id="256" r:id="rId2"/>
+    <p:sldId id="257" r:id="rId3"/>
   </p:sldIdLst>
   <p:sldSz cx="12192000" cy="6858000"/>
   <p:notesSz cx="6858000" cy="9144000"/>
@@ -107,6 +108,11 @@
       </a:defRPr>
     </a:lvl9pPr>
   </p:defaultTextStyle>
+  <p:extLst>
+    <p:ext uri="{EFAFB233-063F-42B5-8137-9DF3F51BA10A}">
+      <p15:sldGuideLst xmlns:p15="http://schemas.microsoft.com/office/powerpoint/2012/main"/>
+    </p:ext>
+  </p:extLst>
 </p:presentation>
 </file>
 
@@ -192,7 +198,7 @@
           <a:p>
             <a:fld id="{ECFFF1A6-4F1D-48BB-9D3C-EB0F9F0A05D8}" type="datetimeFigureOut">
               <a:rPr lang="ru-RU" smtClean="0"/>
-              <a:t>01.12.2019</a:t>
+              <a:t>02.12.2019</a:t>
             </a:fld>
             <a:endParaRPr lang="ru-RU"/>
           </a:p>
@@ -675,7 +681,7 @@
           <a:p>
             <a:fld id="{629E9740-DE1F-4910-894F-CD33FC2AB0C8}" type="datetimeFigureOut">
               <a:rPr lang="ru-RU" smtClean="0"/>
-              <a:t>01.12.2019</a:t>
+              <a:t>02.12.2019</a:t>
             </a:fld>
             <a:endParaRPr lang="ru-RU"/>
           </a:p>
@@ -845,7 +851,7 @@
           <a:p>
             <a:fld id="{629E9740-DE1F-4910-894F-CD33FC2AB0C8}" type="datetimeFigureOut">
               <a:rPr lang="ru-RU" smtClean="0"/>
-              <a:t>01.12.2019</a:t>
+              <a:t>02.12.2019</a:t>
             </a:fld>
             <a:endParaRPr lang="ru-RU"/>
           </a:p>
@@ -1025,7 +1031,7 @@
           <a:p>
             <a:fld id="{629E9740-DE1F-4910-894F-CD33FC2AB0C8}" type="datetimeFigureOut">
               <a:rPr lang="ru-RU" smtClean="0"/>
-              <a:t>01.12.2019</a:t>
+              <a:t>02.12.2019</a:t>
             </a:fld>
             <a:endParaRPr lang="ru-RU"/>
           </a:p>
@@ -1195,7 +1201,7 @@
           <a:p>
             <a:fld id="{629E9740-DE1F-4910-894F-CD33FC2AB0C8}" type="datetimeFigureOut">
               <a:rPr lang="ru-RU" smtClean="0"/>
-              <a:t>01.12.2019</a:t>
+              <a:t>02.12.2019</a:t>
             </a:fld>
             <a:endParaRPr lang="ru-RU"/>
           </a:p>
@@ -1441,7 +1447,7 @@
           <a:p>
             <a:fld id="{629E9740-DE1F-4910-894F-CD33FC2AB0C8}" type="datetimeFigureOut">
               <a:rPr lang="ru-RU" smtClean="0"/>
-              <a:t>01.12.2019</a:t>
+              <a:t>02.12.2019</a:t>
             </a:fld>
             <a:endParaRPr lang="ru-RU"/>
           </a:p>
@@ -1673,7 +1679,7 @@
           <a:p>
             <a:fld id="{629E9740-DE1F-4910-894F-CD33FC2AB0C8}" type="datetimeFigureOut">
               <a:rPr lang="ru-RU" smtClean="0"/>
-              <a:t>01.12.2019</a:t>
+              <a:t>02.12.2019</a:t>
             </a:fld>
             <a:endParaRPr lang="ru-RU"/>
           </a:p>
@@ -2040,7 +2046,7 @@
           <a:p>
             <a:fld id="{629E9740-DE1F-4910-894F-CD33FC2AB0C8}" type="datetimeFigureOut">
               <a:rPr lang="ru-RU" smtClean="0"/>
-              <a:t>01.12.2019</a:t>
+              <a:t>02.12.2019</a:t>
             </a:fld>
             <a:endParaRPr lang="ru-RU"/>
           </a:p>
@@ -2158,7 +2164,7 @@
           <a:p>
             <a:fld id="{629E9740-DE1F-4910-894F-CD33FC2AB0C8}" type="datetimeFigureOut">
               <a:rPr lang="ru-RU" smtClean="0"/>
-              <a:t>01.12.2019</a:t>
+              <a:t>02.12.2019</a:t>
             </a:fld>
             <a:endParaRPr lang="ru-RU"/>
           </a:p>
@@ -2253,7 +2259,7 @@
           <a:p>
             <a:fld id="{629E9740-DE1F-4910-894F-CD33FC2AB0C8}" type="datetimeFigureOut">
               <a:rPr lang="ru-RU" smtClean="0"/>
-              <a:t>01.12.2019</a:t>
+              <a:t>02.12.2019</a:t>
             </a:fld>
             <a:endParaRPr lang="ru-RU"/>
           </a:p>
@@ -2530,7 +2536,7 @@
           <a:p>
             <a:fld id="{629E9740-DE1F-4910-894F-CD33FC2AB0C8}" type="datetimeFigureOut">
               <a:rPr lang="ru-RU" smtClean="0"/>
-              <a:t>01.12.2019</a:t>
+              <a:t>02.12.2019</a:t>
             </a:fld>
             <a:endParaRPr lang="ru-RU"/>
           </a:p>
@@ -2783,7 +2789,7 @@
           <a:p>
             <a:fld id="{629E9740-DE1F-4910-894F-CD33FC2AB0C8}" type="datetimeFigureOut">
               <a:rPr lang="ru-RU" smtClean="0"/>
-              <a:t>01.12.2019</a:t>
+              <a:t>02.12.2019</a:t>
             </a:fld>
             <a:endParaRPr lang="ru-RU"/>
           </a:p>
@@ -2996,7 +3002,7 @@
           <a:p>
             <a:fld id="{629E9740-DE1F-4910-894F-CD33FC2AB0C8}" type="datetimeFigureOut">
               <a:rPr lang="ru-RU" smtClean="0"/>
-              <a:t>01.12.2019</a:t>
+              <a:t>02.12.2019</a:t>
             </a:fld>
             <a:endParaRPr lang="ru-RU"/>
           </a:p>
@@ -3610,6 +3616,628 @@
     <p:extLst>
       <p:ext uri="{BB962C8B-B14F-4D97-AF65-F5344CB8AC3E}">
         <p14:creationId xmlns:p14="http://schemas.microsoft.com/office/powerpoint/2010/main" val="136615191"/>
+      </p:ext>
+    </p:extLst>
+  </p:cSld>
+  <p:clrMapOvr>
+    <a:masterClrMapping/>
+  </p:clrMapOvr>
+</p:sld>
+</file>
+
+<file path=ppt/slides/slide2.xml><?xml version="1.0" encoding="utf-8"?>
+<p:sld xmlns:a="http://schemas.openxmlformats.org/drawingml/2006/main" xmlns:r="http://schemas.openxmlformats.org/officeDocument/2006/relationships" xmlns:p="http://schemas.openxmlformats.org/presentationml/2006/main">
+  <p:cSld>
+    <p:spTree>
+      <p:nvGrpSpPr>
+        <p:cNvPr id="1" name=""/>
+        <p:cNvGrpSpPr/>
+        <p:nvPr/>
+      </p:nvGrpSpPr>
+      <p:grpSpPr>
+        <a:xfrm>
+          <a:off x="0" y="0"/>
+          <a:ext cx="0" cy="0"/>
+          <a:chOff x="0" y="0"/>
+          <a:chExt cx="0" cy="0"/>
+        </a:xfrm>
+      </p:grpSpPr>
+      <p:pic>
+        <p:nvPicPr>
+          <p:cNvPr id="4" name="Рисунок 3"/>
+          <p:cNvPicPr/>
+          <p:nvPr/>
+        </p:nvPicPr>
+        <p:blipFill>
+          <a:blip r:embed="rId2"/>
+          <a:stretch>
+            <a:fillRect/>
+          </a:stretch>
+        </p:blipFill>
+        <p:spPr>
+          <a:xfrm>
+            <a:off x="387929" y="563618"/>
+            <a:ext cx="11050406" cy="5126181"/>
+          </a:xfrm>
+          <a:prstGeom prst="rect">
+            <a:avLst/>
+          </a:prstGeom>
+        </p:spPr>
+      </p:pic>
+      <p:sp>
+        <p:nvSpPr>
+          <p:cNvPr id="5" name="TextBox 4"/>
+          <p:cNvSpPr txBox="1"/>
+          <p:nvPr/>
+        </p:nvSpPr>
+        <p:spPr>
+          <a:xfrm>
+            <a:off x="6776220" y="3131544"/>
+            <a:ext cx="423872" cy="307777"/>
+          </a:xfrm>
+          <a:prstGeom prst="rect">
+            <a:avLst/>
+          </a:prstGeom>
+          <a:noFill/>
+        </p:spPr>
+        <p:txBody>
+          <a:bodyPr wrap="square" rtlCol="0">
+            <a:spAutoFit/>
+          </a:bodyPr>
+          <a:lstStyle/>
+          <a:p>
+            <a:r>
+              <a:rPr lang="uk-UA" sz="1400" b="1" dirty="0" smtClean="0"/>
+              <a:t>13</a:t>
+            </a:r>
+            <a:endParaRPr lang="ru-RU" sz="1400" b="1" dirty="0"/>
+          </a:p>
+        </p:txBody>
+      </p:sp>
+      <p:sp>
+        <p:nvSpPr>
+          <p:cNvPr id="6" name="TextBox 5"/>
+          <p:cNvSpPr txBox="1"/>
+          <p:nvPr/>
+        </p:nvSpPr>
+        <p:spPr>
+          <a:xfrm>
+            <a:off x="9133368" y="1595989"/>
+            <a:ext cx="233916" cy="307777"/>
+          </a:xfrm>
+          <a:prstGeom prst="rect">
+            <a:avLst/>
+          </a:prstGeom>
+          <a:noFill/>
+        </p:spPr>
+        <p:txBody>
+          <a:bodyPr wrap="square" rtlCol="0">
+            <a:spAutoFit/>
+          </a:bodyPr>
+          <a:lstStyle/>
+          <a:p>
+            <a:r>
+              <a:rPr lang="uk-UA" sz="1400" b="1" dirty="0" smtClean="0"/>
+              <a:t>2</a:t>
+            </a:r>
+            <a:endParaRPr lang="ru-RU" sz="1400" b="1" dirty="0"/>
+          </a:p>
+        </p:txBody>
+      </p:sp>
+      <p:sp>
+        <p:nvSpPr>
+          <p:cNvPr id="7" name="TextBox 6"/>
+          <p:cNvSpPr txBox="1"/>
+          <p:nvPr/>
+        </p:nvSpPr>
+        <p:spPr>
+          <a:xfrm>
+            <a:off x="8090452" y="2305935"/>
+            <a:ext cx="233916" cy="307777"/>
+          </a:xfrm>
+          <a:prstGeom prst="rect">
+            <a:avLst/>
+          </a:prstGeom>
+          <a:noFill/>
+        </p:spPr>
+        <p:txBody>
+          <a:bodyPr wrap="square" rtlCol="0">
+            <a:spAutoFit/>
+          </a:bodyPr>
+          <a:lstStyle/>
+          <a:p>
+            <a:r>
+              <a:rPr lang="uk-UA" sz="1400" b="1" dirty="0" smtClean="0"/>
+              <a:t>7</a:t>
+            </a:r>
+            <a:endParaRPr lang="ru-RU" sz="1400" b="1" dirty="0"/>
+          </a:p>
+        </p:txBody>
+      </p:sp>
+      <p:sp>
+        <p:nvSpPr>
+          <p:cNvPr id="8" name="TextBox 7"/>
+          <p:cNvSpPr txBox="1"/>
+          <p:nvPr/>
+        </p:nvSpPr>
+        <p:spPr>
+          <a:xfrm>
+            <a:off x="8920718" y="1749863"/>
+            <a:ext cx="233916" cy="307777"/>
+          </a:xfrm>
+          <a:prstGeom prst="rect">
+            <a:avLst/>
+          </a:prstGeom>
+          <a:noFill/>
+        </p:spPr>
+        <p:txBody>
+          <a:bodyPr wrap="square" rtlCol="0">
+            <a:spAutoFit/>
+          </a:bodyPr>
+          <a:lstStyle/>
+          <a:p>
+            <a:r>
+              <a:rPr lang="uk-UA" sz="1400" b="1" dirty="0" smtClean="0"/>
+              <a:t>3</a:t>
+            </a:r>
+            <a:endParaRPr lang="ru-RU" sz="1400" b="1" dirty="0"/>
+          </a:p>
+        </p:txBody>
+      </p:sp>
+      <p:sp>
+        <p:nvSpPr>
+          <p:cNvPr id="9" name="TextBox 8"/>
+          <p:cNvSpPr txBox="1"/>
+          <p:nvPr/>
+        </p:nvSpPr>
+        <p:spPr>
+          <a:xfrm>
+            <a:off x="9367284" y="1418043"/>
+            <a:ext cx="233916" cy="307777"/>
+          </a:xfrm>
+          <a:prstGeom prst="rect">
+            <a:avLst/>
+          </a:prstGeom>
+          <a:noFill/>
+        </p:spPr>
+        <p:txBody>
+          <a:bodyPr wrap="square" rtlCol="0">
+            <a:spAutoFit/>
+          </a:bodyPr>
+          <a:lstStyle/>
+          <a:p>
+            <a:r>
+              <a:rPr lang="uk-UA" sz="1400" b="1" dirty="0" smtClean="0"/>
+              <a:t>1</a:t>
+            </a:r>
+            <a:endParaRPr lang="ru-RU" sz="1400" b="1" dirty="0"/>
+          </a:p>
+        </p:txBody>
+      </p:sp>
+      <p:sp>
+        <p:nvSpPr>
+          <p:cNvPr id="10" name="TextBox 9"/>
+          <p:cNvSpPr txBox="1"/>
+          <p:nvPr/>
+        </p:nvSpPr>
+        <p:spPr>
+          <a:xfrm>
+            <a:off x="7017564" y="2995943"/>
+            <a:ext cx="542946" cy="307777"/>
+          </a:xfrm>
+          <a:prstGeom prst="rect">
+            <a:avLst/>
+          </a:prstGeom>
+          <a:noFill/>
+        </p:spPr>
+        <p:txBody>
+          <a:bodyPr wrap="square" rtlCol="0">
+            <a:spAutoFit/>
+          </a:bodyPr>
+          <a:lstStyle/>
+          <a:p>
+            <a:r>
+              <a:rPr lang="uk-UA" sz="1400" b="1" dirty="0" smtClean="0"/>
+              <a:t>12</a:t>
+            </a:r>
+            <a:endParaRPr lang="ru-RU" sz="1400" b="1" dirty="0"/>
+          </a:p>
+        </p:txBody>
+      </p:sp>
+      <p:sp>
+        <p:nvSpPr>
+          <p:cNvPr id="11" name="TextBox 10"/>
+          <p:cNvSpPr txBox="1"/>
+          <p:nvPr/>
+        </p:nvSpPr>
+        <p:spPr>
+          <a:xfrm>
+            <a:off x="7200092" y="2860342"/>
+            <a:ext cx="509275" cy="307777"/>
+          </a:xfrm>
+          <a:prstGeom prst="rect">
+            <a:avLst/>
+          </a:prstGeom>
+          <a:noFill/>
+        </p:spPr>
+        <p:txBody>
+          <a:bodyPr wrap="square" rtlCol="0">
+            <a:spAutoFit/>
+          </a:bodyPr>
+          <a:lstStyle/>
+          <a:p>
+            <a:r>
+              <a:rPr lang="uk-UA" sz="1400" b="1" dirty="0" smtClean="0"/>
+              <a:t>11</a:t>
+            </a:r>
+            <a:endParaRPr lang="ru-RU" sz="1400" b="1" dirty="0"/>
+          </a:p>
+        </p:txBody>
+      </p:sp>
+      <p:sp>
+        <p:nvSpPr>
+          <p:cNvPr id="12" name="TextBox 11"/>
+          <p:cNvSpPr txBox="1"/>
+          <p:nvPr/>
+        </p:nvSpPr>
+        <p:spPr>
+          <a:xfrm>
+            <a:off x="7392408" y="2724741"/>
+            <a:ext cx="441935" cy="307777"/>
+          </a:xfrm>
+          <a:prstGeom prst="rect">
+            <a:avLst/>
+          </a:prstGeom>
+          <a:noFill/>
+        </p:spPr>
+        <p:txBody>
+          <a:bodyPr wrap="square" rtlCol="0">
+            <a:spAutoFit/>
+          </a:bodyPr>
+          <a:lstStyle/>
+          <a:p>
+            <a:r>
+              <a:rPr lang="uk-UA" sz="1400" b="1" dirty="0" smtClean="0"/>
+              <a:t>10</a:t>
+            </a:r>
+            <a:endParaRPr lang="ru-RU" sz="1400" b="1" dirty="0"/>
+          </a:p>
+        </p:txBody>
+      </p:sp>
+      <p:sp>
+        <p:nvSpPr>
+          <p:cNvPr id="13" name="TextBox 12"/>
+          <p:cNvSpPr txBox="1"/>
+          <p:nvPr/>
+        </p:nvSpPr>
+        <p:spPr>
+          <a:xfrm>
+            <a:off x="7664220" y="2594712"/>
+            <a:ext cx="233916" cy="307777"/>
+          </a:xfrm>
+          <a:prstGeom prst="rect">
+            <a:avLst/>
+          </a:prstGeom>
+          <a:noFill/>
+        </p:spPr>
+        <p:txBody>
+          <a:bodyPr wrap="square" rtlCol="0">
+            <a:spAutoFit/>
+          </a:bodyPr>
+          <a:lstStyle/>
+          <a:p>
+            <a:r>
+              <a:rPr lang="uk-UA" sz="1400" b="1" dirty="0" smtClean="0"/>
+              <a:t>9</a:t>
+            </a:r>
+            <a:endParaRPr lang="ru-RU" sz="1400" b="1" dirty="0"/>
+          </a:p>
+        </p:txBody>
+      </p:sp>
+      <p:sp>
+        <p:nvSpPr>
+          <p:cNvPr id="14" name="TextBox 13"/>
+          <p:cNvSpPr txBox="1"/>
+          <p:nvPr/>
+        </p:nvSpPr>
+        <p:spPr>
+          <a:xfrm>
+            <a:off x="8718235" y="1879754"/>
+            <a:ext cx="233916" cy="307777"/>
+          </a:xfrm>
+          <a:prstGeom prst="rect">
+            <a:avLst/>
+          </a:prstGeom>
+          <a:noFill/>
+        </p:spPr>
+        <p:txBody>
+          <a:bodyPr wrap="square" rtlCol="0">
+            <a:spAutoFit/>
+          </a:bodyPr>
+          <a:lstStyle/>
+          <a:p>
+            <a:r>
+              <a:rPr lang="uk-UA" sz="1400" b="1" dirty="0" smtClean="0"/>
+              <a:t>4</a:t>
+            </a:r>
+            <a:endParaRPr lang="ru-RU" sz="1400" b="1" dirty="0"/>
+          </a:p>
+        </p:txBody>
+      </p:sp>
+      <p:sp>
+        <p:nvSpPr>
+          <p:cNvPr id="15" name="TextBox 14"/>
+          <p:cNvSpPr txBox="1"/>
+          <p:nvPr/>
+        </p:nvSpPr>
+        <p:spPr>
+          <a:xfrm>
+            <a:off x="8303102" y="2159149"/>
+            <a:ext cx="233916" cy="307777"/>
+          </a:xfrm>
+          <a:prstGeom prst="rect">
+            <a:avLst/>
+          </a:prstGeom>
+          <a:noFill/>
+        </p:spPr>
+        <p:txBody>
+          <a:bodyPr wrap="square" rtlCol="0">
+            <a:spAutoFit/>
+          </a:bodyPr>
+          <a:lstStyle/>
+          <a:p>
+            <a:r>
+              <a:rPr lang="uk-UA" sz="1400" b="1" dirty="0" smtClean="0"/>
+              <a:t>6</a:t>
+            </a:r>
+            <a:endParaRPr lang="ru-RU" sz="1400" b="1" dirty="0"/>
+          </a:p>
+        </p:txBody>
+      </p:sp>
+      <p:sp>
+        <p:nvSpPr>
+          <p:cNvPr id="16" name="TextBox 15"/>
+          <p:cNvSpPr txBox="1"/>
+          <p:nvPr/>
+        </p:nvSpPr>
+        <p:spPr>
+          <a:xfrm>
+            <a:off x="8505585" y="2020417"/>
+            <a:ext cx="233916" cy="307777"/>
+          </a:xfrm>
+          <a:prstGeom prst="rect">
+            <a:avLst/>
+          </a:prstGeom>
+          <a:noFill/>
+        </p:spPr>
+        <p:txBody>
+          <a:bodyPr wrap="square" rtlCol="0">
+            <a:spAutoFit/>
+          </a:bodyPr>
+          <a:lstStyle/>
+          <a:p>
+            <a:r>
+              <a:rPr lang="uk-UA" sz="1400" b="1" dirty="0" smtClean="0"/>
+              <a:t>5</a:t>
+            </a:r>
+            <a:endParaRPr lang="ru-RU" sz="1400" b="1" dirty="0"/>
+          </a:p>
+        </p:txBody>
+      </p:sp>
+      <p:sp>
+        <p:nvSpPr>
+          <p:cNvPr id="17" name="TextBox 16"/>
+          <p:cNvSpPr txBox="1"/>
+          <p:nvPr/>
+        </p:nvSpPr>
+        <p:spPr>
+          <a:xfrm>
+            <a:off x="7866703" y="2475316"/>
+            <a:ext cx="233916" cy="307777"/>
+          </a:xfrm>
+          <a:prstGeom prst="rect">
+            <a:avLst/>
+          </a:prstGeom>
+          <a:noFill/>
+        </p:spPr>
+        <p:txBody>
+          <a:bodyPr wrap="square" rtlCol="0">
+            <a:spAutoFit/>
+          </a:bodyPr>
+          <a:lstStyle/>
+          <a:p>
+            <a:r>
+              <a:rPr lang="uk-UA" sz="1400" b="1" dirty="0" smtClean="0"/>
+              <a:t>8</a:t>
+            </a:r>
+            <a:endParaRPr lang="ru-RU" sz="1400" b="1" dirty="0"/>
+          </a:p>
+        </p:txBody>
+      </p:sp>
+      <p:sp>
+        <p:nvSpPr>
+          <p:cNvPr id="18" name="TextBox 17"/>
+          <p:cNvSpPr txBox="1"/>
+          <p:nvPr/>
+        </p:nvSpPr>
+        <p:spPr>
+          <a:xfrm>
+            <a:off x="6159428" y="3589207"/>
+            <a:ext cx="538716" cy="307777"/>
+          </a:xfrm>
+          <a:prstGeom prst="rect">
+            <a:avLst/>
+          </a:prstGeom>
+          <a:noFill/>
+        </p:spPr>
+        <p:txBody>
+          <a:bodyPr wrap="square" rtlCol="0">
+            <a:spAutoFit/>
+          </a:bodyPr>
+          <a:lstStyle/>
+          <a:p>
+            <a:r>
+              <a:rPr lang="uk-UA" sz="1400" b="1" dirty="0" smtClean="0"/>
+              <a:t>16</a:t>
+            </a:r>
+            <a:endParaRPr lang="ru-RU" sz="1400" b="1" dirty="0"/>
+          </a:p>
+        </p:txBody>
+      </p:sp>
+      <p:sp>
+        <p:nvSpPr>
+          <p:cNvPr id="19" name="TextBox 18"/>
+          <p:cNvSpPr txBox="1"/>
+          <p:nvPr/>
+        </p:nvSpPr>
+        <p:spPr>
+          <a:xfrm>
+            <a:off x="6364988" y="3433076"/>
+            <a:ext cx="538716" cy="307777"/>
+          </a:xfrm>
+          <a:prstGeom prst="rect">
+            <a:avLst/>
+          </a:prstGeom>
+          <a:noFill/>
+        </p:spPr>
+        <p:txBody>
+          <a:bodyPr wrap="square" rtlCol="0">
+            <a:spAutoFit/>
+          </a:bodyPr>
+          <a:lstStyle/>
+          <a:p>
+            <a:r>
+              <a:rPr lang="uk-UA" sz="1400" b="1" dirty="0" smtClean="0"/>
+              <a:t>15</a:t>
+            </a:r>
+            <a:endParaRPr lang="ru-RU" sz="1400" b="1" dirty="0"/>
+          </a:p>
+        </p:txBody>
+      </p:sp>
+      <p:sp>
+        <p:nvSpPr>
+          <p:cNvPr id="21" name="TextBox 20"/>
+          <p:cNvSpPr txBox="1"/>
+          <p:nvPr/>
+        </p:nvSpPr>
+        <p:spPr>
+          <a:xfrm>
+            <a:off x="5670328" y="3913821"/>
+            <a:ext cx="733279" cy="307777"/>
+          </a:xfrm>
+          <a:prstGeom prst="rect">
+            <a:avLst/>
+          </a:prstGeom>
+          <a:noFill/>
+        </p:spPr>
+        <p:txBody>
+          <a:bodyPr wrap="square" rtlCol="0">
+            <a:spAutoFit/>
+          </a:bodyPr>
+          <a:lstStyle/>
+          <a:p>
+            <a:r>
+              <a:rPr lang="uk-UA" sz="1400" b="1" dirty="0" smtClean="0"/>
+              <a:t>18</a:t>
+            </a:r>
+            <a:endParaRPr lang="ru-RU" sz="1400" b="1" dirty="0"/>
+          </a:p>
+        </p:txBody>
+      </p:sp>
+      <p:sp>
+        <p:nvSpPr>
+          <p:cNvPr id="22" name="TextBox 21"/>
+          <p:cNvSpPr txBox="1"/>
+          <p:nvPr/>
+        </p:nvSpPr>
+        <p:spPr>
+          <a:xfrm>
+            <a:off x="6578891" y="3248410"/>
+            <a:ext cx="648660" cy="307777"/>
+          </a:xfrm>
+          <a:prstGeom prst="rect">
+            <a:avLst/>
+          </a:prstGeom>
+          <a:noFill/>
+        </p:spPr>
+        <p:txBody>
+          <a:bodyPr wrap="square" rtlCol="0">
+            <a:spAutoFit/>
+          </a:bodyPr>
+          <a:lstStyle/>
+          <a:p>
+            <a:r>
+              <a:rPr lang="uk-UA" sz="1400" b="1" dirty="0" smtClean="0"/>
+              <a:t>14</a:t>
+            </a:r>
+            <a:endParaRPr lang="ru-RU" sz="1400" b="1" dirty="0"/>
+          </a:p>
+        </p:txBody>
+      </p:sp>
+      <p:sp>
+        <p:nvSpPr>
+          <p:cNvPr id="24" name="TextBox 23"/>
+          <p:cNvSpPr txBox="1"/>
+          <p:nvPr/>
+        </p:nvSpPr>
+        <p:spPr>
+          <a:xfrm>
+            <a:off x="5434017" y="4066221"/>
+            <a:ext cx="506555" cy="307777"/>
+          </a:xfrm>
+          <a:prstGeom prst="rect">
+            <a:avLst/>
+          </a:prstGeom>
+          <a:noFill/>
+        </p:spPr>
+        <p:txBody>
+          <a:bodyPr wrap="square" rtlCol="0">
+            <a:spAutoFit/>
+          </a:bodyPr>
+          <a:lstStyle/>
+          <a:p>
+            <a:r>
+              <a:rPr lang="uk-UA" sz="1400" b="1" dirty="0" smtClean="0"/>
+              <a:t>19</a:t>
+            </a:r>
+            <a:endParaRPr lang="ru-RU" sz="1400" b="1" dirty="0"/>
+          </a:p>
+        </p:txBody>
+      </p:sp>
+      <p:sp>
+        <p:nvSpPr>
+          <p:cNvPr id="25" name="TextBox 24"/>
+          <p:cNvSpPr txBox="1"/>
+          <p:nvPr/>
+        </p:nvSpPr>
+        <p:spPr>
+          <a:xfrm>
+            <a:off x="5940572" y="3761421"/>
+            <a:ext cx="606420" cy="307777"/>
+          </a:xfrm>
+          <a:prstGeom prst="rect">
+            <a:avLst/>
+          </a:prstGeom>
+          <a:noFill/>
+        </p:spPr>
+        <p:txBody>
+          <a:bodyPr wrap="square" rtlCol="0">
+            <a:spAutoFit/>
+          </a:bodyPr>
+          <a:lstStyle/>
+          <a:p>
+            <a:r>
+              <a:rPr lang="uk-UA" sz="1400" b="1" dirty="0" smtClean="0"/>
+              <a:t>17</a:t>
+            </a:r>
+            <a:endParaRPr lang="ru-RU" sz="1400" b="1" dirty="0"/>
+          </a:p>
+        </p:txBody>
+      </p:sp>
+    </p:spTree>
+    <p:extLst>
+      <p:ext uri="{BB962C8B-B14F-4D97-AF65-F5344CB8AC3E}">
+        <p14:creationId xmlns:p14="http://schemas.microsoft.com/office/powerpoint/2010/main" val="3922873081"/>
       </p:ext>
     </p:extLst>
   </p:cSld>

--- a/format-standardify/files/Doc/Презентация Microsoft PowerPoint.pptx
+++ b/format-standardify/files/Doc/Презентация Microsoft PowerPoint.pptx
@@ -5,11 +5,12 @@
     <p:sldMasterId id="2147483648" r:id="rId1"/>
   </p:sldMasterIdLst>
   <p:notesMasterIdLst>
-    <p:notesMasterId r:id="rId4"/>
+    <p:notesMasterId r:id="rId5"/>
   </p:notesMasterIdLst>
   <p:sldIdLst>
     <p:sldId id="256" r:id="rId2"/>
     <p:sldId id="257" r:id="rId3"/>
+    <p:sldId id="258" r:id="rId4"/>
   </p:sldIdLst>
   <p:sldSz cx="12192000" cy="6858000"/>
   <p:notesSz cx="6858000" cy="9144000"/>
@@ -198,7 +199,7 @@
           <a:p>
             <a:fld id="{ECFFF1A6-4F1D-48BB-9D3C-EB0F9F0A05D8}" type="datetimeFigureOut">
               <a:rPr lang="ru-RU" smtClean="0"/>
-              <a:t>02.12.2019</a:t>
+              <a:t>07.12.2019</a:t>
             </a:fld>
             <a:endParaRPr lang="ru-RU"/>
           </a:p>
@@ -681,7 +682,7 @@
           <a:p>
             <a:fld id="{629E9740-DE1F-4910-894F-CD33FC2AB0C8}" type="datetimeFigureOut">
               <a:rPr lang="ru-RU" smtClean="0"/>
-              <a:t>02.12.2019</a:t>
+              <a:t>07.12.2019</a:t>
             </a:fld>
             <a:endParaRPr lang="ru-RU"/>
           </a:p>
@@ -851,7 +852,7 @@
           <a:p>
             <a:fld id="{629E9740-DE1F-4910-894F-CD33FC2AB0C8}" type="datetimeFigureOut">
               <a:rPr lang="ru-RU" smtClean="0"/>
-              <a:t>02.12.2019</a:t>
+              <a:t>07.12.2019</a:t>
             </a:fld>
             <a:endParaRPr lang="ru-RU"/>
           </a:p>
@@ -1031,7 +1032,7 @@
           <a:p>
             <a:fld id="{629E9740-DE1F-4910-894F-CD33FC2AB0C8}" type="datetimeFigureOut">
               <a:rPr lang="ru-RU" smtClean="0"/>
-              <a:t>02.12.2019</a:t>
+              <a:t>07.12.2019</a:t>
             </a:fld>
             <a:endParaRPr lang="ru-RU"/>
           </a:p>
@@ -1201,7 +1202,7 @@
           <a:p>
             <a:fld id="{629E9740-DE1F-4910-894F-CD33FC2AB0C8}" type="datetimeFigureOut">
               <a:rPr lang="ru-RU" smtClean="0"/>
-              <a:t>02.12.2019</a:t>
+              <a:t>07.12.2019</a:t>
             </a:fld>
             <a:endParaRPr lang="ru-RU"/>
           </a:p>
@@ -1447,7 +1448,7 @@
           <a:p>
             <a:fld id="{629E9740-DE1F-4910-894F-CD33FC2AB0C8}" type="datetimeFigureOut">
               <a:rPr lang="ru-RU" smtClean="0"/>
-              <a:t>02.12.2019</a:t>
+              <a:t>07.12.2019</a:t>
             </a:fld>
             <a:endParaRPr lang="ru-RU"/>
           </a:p>
@@ -1679,7 +1680,7 @@
           <a:p>
             <a:fld id="{629E9740-DE1F-4910-894F-CD33FC2AB0C8}" type="datetimeFigureOut">
               <a:rPr lang="ru-RU" smtClean="0"/>
-              <a:t>02.12.2019</a:t>
+              <a:t>07.12.2019</a:t>
             </a:fld>
             <a:endParaRPr lang="ru-RU"/>
           </a:p>
@@ -2046,7 +2047,7 @@
           <a:p>
             <a:fld id="{629E9740-DE1F-4910-894F-CD33FC2AB0C8}" type="datetimeFigureOut">
               <a:rPr lang="ru-RU" smtClean="0"/>
-              <a:t>02.12.2019</a:t>
+              <a:t>07.12.2019</a:t>
             </a:fld>
             <a:endParaRPr lang="ru-RU"/>
           </a:p>
@@ -2164,7 +2165,7 @@
           <a:p>
             <a:fld id="{629E9740-DE1F-4910-894F-CD33FC2AB0C8}" type="datetimeFigureOut">
               <a:rPr lang="ru-RU" smtClean="0"/>
-              <a:t>02.12.2019</a:t>
+              <a:t>07.12.2019</a:t>
             </a:fld>
             <a:endParaRPr lang="ru-RU"/>
           </a:p>
@@ -2259,7 +2260,7 @@
           <a:p>
             <a:fld id="{629E9740-DE1F-4910-894F-CD33FC2AB0C8}" type="datetimeFigureOut">
               <a:rPr lang="ru-RU" smtClean="0"/>
-              <a:t>02.12.2019</a:t>
+              <a:t>07.12.2019</a:t>
             </a:fld>
             <a:endParaRPr lang="ru-RU"/>
           </a:p>
@@ -2536,7 +2537,7 @@
           <a:p>
             <a:fld id="{629E9740-DE1F-4910-894F-CD33FC2AB0C8}" type="datetimeFigureOut">
               <a:rPr lang="ru-RU" smtClean="0"/>
-              <a:t>02.12.2019</a:t>
+              <a:t>07.12.2019</a:t>
             </a:fld>
             <a:endParaRPr lang="ru-RU"/>
           </a:p>
@@ -2789,7 +2790,7 @@
           <a:p>
             <a:fld id="{629E9740-DE1F-4910-894F-CD33FC2AB0C8}" type="datetimeFigureOut">
               <a:rPr lang="ru-RU" smtClean="0"/>
-              <a:t>02.12.2019</a:t>
+              <a:t>07.12.2019</a:t>
             </a:fld>
             <a:endParaRPr lang="ru-RU"/>
           </a:p>
@@ -3002,7 +3003,7 @@
           <a:p>
             <a:fld id="{629E9740-DE1F-4910-894F-CD33FC2AB0C8}" type="datetimeFigureOut">
               <a:rPr lang="ru-RU" smtClean="0"/>
-              <a:t>02.12.2019</a:t>
+              <a:t>07.12.2019</a:t>
             </a:fld>
             <a:endParaRPr lang="ru-RU"/>
           </a:p>
@@ -4238,6 +4239,1364 @@
     <p:extLst>
       <p:ext uri="{BB962C8B-B14F-4D97-AF65-F5344CB8AC3E}">
         <p14:creationId xmlns:p14="http://schemas.microsoft.com/office/powerpoint/2010/main" val="3922873081"/>
+      </p:ext>
+    </p:extLst>
+  </p:cSld>
+  <p:clrMapOvr>
+    <a:masterClrMapping/>
+  </p:clrMapOvr>
+</p:sld>
+</file>
+
+<file path=ppt/slides/slide3.xml><?xml version="1.0" encoding="utf-8"?>
+<p:sld xmlns:a="http://schemas.openxmlformats.org/drawingml/2006/main" xmlns:r="http://schemas.openxmlformats.org/officeDocument/2006/relationships" xmlns:p="http://schemas.openxmlformats.org/presentationml/2006/main">
+  <p:cSld>
+    <p:spTree>
+      <p:nvGrpSpPr>
+        <p:cNvPr id="1" name=""/>
+        <p:cNvGrpSpPr/>
+        <p:nvPr/>
+      </p:nvGrpSpPr>
+      <p:grpSpPr>
+        <a:xfrm>
+          <a:off x="0" y="0"/>
+          <a:ext cx="0" cy="0"/>
+          <a:chOff x="0" y="0"/>
+          <a:chExt cx="0" cy="0"/>
+        </a:xfrm>
+      </p:grpSpPr>
+      <p:sp>
+        <p:nvSpPr>
+          <p:cNvPr id="7" name="TextBox 6"/>
+          <p:cNvSpPr txBox="1"/>
+          <p:nvPr/>
+        </p:nvSpPr>
+        <p:spPr>
+          <a:xfrm>
+            <a:off x="1187330" y="4323030"/>
+            <a:ext cx="1397146" cy="276999"/>
+          </a:xfrm>
+          <a:prstGeom prst="rect">
+            <a:avLst/>
+          </a:prstGeom>
+          <a:noFill/>
+          <a:ln>
+            <a:solidFill>
+              <a:schemeClr val="tx1"/>
+            </a:solidFill>
+          </a:ln>
+        </p:spPr>
+        <p:txBody>
+          <a:bodyPr wrap="square" rtlCol="0">
+            <a:spAutoFit/>
+          </a:bodyPr>
+          <a:lstStyle/>
+          <a:p>
+            <a:pPr algn="ctr"/>
+            <a:r>
+              <a:rPr lang="uk-UA" sz="1200" dirty="0" smtClean="0"/>
+              <a:t>Підтвердження дії</a:t>
+            </a:r>
+            <a:endParaRPr lang="ru-RU" sz="1200" dirty="0"/>
+          </a:p>
+        </p:txBody>
+      </p:sp>
+      <p:sp>
+        <p:nvSpPr>
+          <p:cNvPr id="8" name="TextBox 7"/>
+          <p:cNvSpPr txBox="1"/>
+          <p:nvPr/>
+        </p:nvSpPr>
+        <p:spPr>
+          <a:xfrm>
+            <a:off x="3467284" y="1078446"/>
+            <a:ext cx="1371600" cy="276999"/>
+          </a:xfrm>
+          <a:prstGeom prst="rect">
+            <a:avLst/>
+          </a:prstGeom>
+          <a:noFill/>
+          <a:ln>
+            <a:solidFill>
+              <a:schemeClr val="tx1"/>
+            </a:solidFill>
+          </a:ln>
+        </p:spPr>
+        <p:txBody>
+          <a:bodyPr wrap="square" rtlCol="0">
+            <a:spAutoFit/>
+          </a:bodyPr>
+          <a:lstStyle/>
+          <a:p>
+            <a:pPr algn="ctr"/>
+            <a:r>
+              <a:rPr lang="uk-UA" sz="1200" dirty="0" smtClean="0"/>
+              <a:t>реєстрація</a:t>
+            </a:r>
+            <a:endParaRPr lang="ru-RU" sz="1200" dirty="0"/>
+          </a:p>
+        </p:txBody>
+      </p:sp>
+      <p:sp>
+        <p:nvSpPr>
+          <p:cNvPr id="9" name="TextBox 8"/>
+          <p:cNvSpPr txBox="1"/>
+          <p:nvPr/>
+        </p:nvSpPr>
+        <p:spPr>
+          <a:xfrm>
+            <a:off x="917419" y="6114936"/>
+            <a:ext cx="1941642" cy="667704"/>
+          </a:xfrm>
+          <a:prstGeom prst="rect">
+            <a:avLst/>
+          </a:prstGeom>
+          <a:noFill/>
+          <a:ln>
+            <a:solidFill>
+              <a:schemeClr val="tx1"/>
+            </a:solidFill>
+          </a:ln>
+        </p:spPr>
+        <p:txBody>
+          <a:bodyPr wrap="square" rtlCol="0">
+            <a:spAutoFit/>
+          </a:bodyPr>
+          <a:lstStyle/>
+          <a:p>
+            <a:r>
+              <a:rPr lang="uk-UA" sz="1200" dirty="0" smtClean="0"/>
+              <a:t>Збереження відформатованих даних в електронні таблиці </a:t>
+            </a:r>
+            <a:r>
+              <a:rPr lang="en-US" sz="1200" dirty="0" smtClean="0"/>
+              <a:t>EXCEL</a:t>
+            </a:r>
+            <a:r>
+              <a:rPr lang="uk-UA" sz="1200" dirty="0" smtClean="0"/>
+              <a:t>.</a:t>
+            </a:r>
+            <a:endParaRPr lang="ru-RU" sz="1200" dirty="0"/>
+          </a:p>
+        </p:txBody>
+      </p:sp>
+      <p:sp>
+        <p:nvSpPr>
+          <p:cNvPr id="11" name="Скругленный прямоугольник 10"/>
+          <p:cNvSpPr/>
+          <p:nvPr/>
+        </p:nvSpPr>
+        <p:spPr>
+          <a:xfrm>
+            <a:off x="1197917" y="66960"/>
+            <a:ext cx="1417539" cy="443915"/>
+          </a:xfrm>
+          <a:prstGeom prst="roundRect">
+            <a:avLst/>
+          </a:prstGeom>
+          <a:noFill/>
+          <a:ln>
+            <a:solidFill>
+              <a:schemeClr val="tx1"/>
+            </a:solidFill>
+          </a:ln>
+        </p:spPr>
+        <p:style>
+          <a:lnRef idx="2">
+            <a:schemeClr val="accent1">
+              <a:shade val="50000"/>
+            </a:schemeClr>
+          </a:lnRef>
+          <a:fillRef idx="1">
+            <a:schemeClr val="accent1"/>
+          </a:fillRef>
+          <a:effectRef idx="0">
+            <a:schemeClr val="accent1"/>
+          </a:effectRef>
+          <a:fontRef idx="minor">
+            <a:schemeClr val="lt1"/>
+          </a:fontRef>
+        </p:style>
+        <p:txBody>
+          <a:bodyPr rtlCol="0" anchor="ctr"/>
+          <a:lstStyle/>
+          <a:p>
+            <a:pPr algn="ctr"/>
+            <a:endParaRPr lang="ru-RU" sz="1200">
+              <a:solidFill>
+                <a:schemeClr val="tx1"/>
+              </a:solidFill>
+            </a:endParaRPr>
+          </a:p>
+        </p:txBody>
+      </p:sp>
+      <p:sp>
+        <p:nvSpPr>
+          <p:cNvPr id="12" name="TextBox 11"/>
+          <p:cNvSpPr txBox="1"/>
+          <p:nvPr/>
+        </p:nvSpPr>
+        <p:spPr>
+          <a:xfrm>
+            <a:off x="1386913" y="135030"/>
+            <a:ext cx="1496291" cy="276999"/>
+          </a:xfrm>
+          <a:prstGeom prst="rect">
+            <a:avLst/>
+          </a:prstGeom>
+          <a:noFill/>
+          <a:ln>
+            <a:noFill/>
+          </a:ln>
+        </p:spPr>
+        <p:style>
+          <a:lnRef idx="2">
+            <a:schemeClr val="dk1"/>
+          </a:lnRef>
+          <a:fillRef idx="1">
+            <a:schemeClr val="lt1"/>
+          </a:fillRef>
+          <a:effectRef idx="0">
+            <a:schemeClr val="dk1"/>
+          </a:effectRef>
+          <a:fontRef idx="minor">
+            <a:schemeClr val="dk1"/>
+          </a:fontRef>
+        </p:style>
+        <p:txBody>
+          <a:bodyPr wrap="square" rtlCol="0">
+            <a:spAutoFit/>
+          </a:bodyPr>
+          <a:lstStyle/>
+          <a:p>
+            <a:r>
+              <a:rPr lang="uk-UA" sz="1200" dirty="0" smtClean="0">
+                <a:solidFill>
+                  <a:schemeClr val="tx1"/>
+                </a:solidFill>
+              </a:rPr>
+              <a:t>Вхід на сайт</a:t>
+            </a:r>
+            <a:endParaRPr lang="ru-RU" sz="1200" dirty="0">
+              <a:solidFill>
+                <a:schemeClr val="tx1"/>
+              </a:solidFill>
+            </a:endParaRPr>
+          </a:p>
+        </p:txBody>
+      </p:sp>
+      <p:sp>
+        <p:nvSpPr>
+          <p:cNvPr id="13" name="Блок-схема: решение 12"/>
+          <p:cNvSpPr/>
+          <p:nvPr/>
+        </p:nvSpPr>
+        <p:spPr>
+          <a:xfrm>
+            <a:off x="917419" y="793636"/>
+            <a:ext cx="1998601" cy="840585"/>
+          </a:xfrm>
+          <a:prstGeom prst="flowChartDecision">
+            <a:avLst/>
+          </a:prstGeom>
+          <a:noFill/>
+          <a:ln>
+            <a:solidFill>
+              <a:schemeClr val="tx1"/>
+            </a:solidFill>
+          </a:ln>
+        </p:spPr>
+        <p:style>
+          <a:lnRef idx="2">
+            <a:schemeClr val="accent1">
+              <a:shade val="50000"/>
+            </a:schemeClr>
+          </a:lnRef>
+          <a:fillRef idx="1">
+            <a:schemeClr val="accent1"/>
+          </a:fillRef>
+          <a:effectRef idx="0">
+            <a:schemeClr val="accent1"/>
+          </a:effectRef>
+          <a:fontRef idx="minor">
+            <a:schemeClr val="lt1"/>
+          </a:fontRef>
+        </p:style>
+        <p:txBody>
+          <a:bodyPr rtlCol="0" anchor="ctr"/>
+          <a:lstStyle/>
+          <a:p>
+            <a:pPr algn="ctr"/>
+            <a:endParaRPr lang="ru-RU" sz="1200">
+              <a:solidFill>
+                <a:schemeClr val="tx1"/>
+              </a:solidFill>
+            </a:endParaRPr>
+          </a:p>
+        </p:txBody>
+      </p:sp>
+      <p:sp>
+        <p:nvSpPr>
+          <p:cNvPr id="14" name="TextBox 13"/>
+          <p:cNvSpPr txBox="1"/>
+          <p:nvPr/>
+        </p:nvSpPr>
+        <p:spPr>
+          <a:xfrm>
+            <a:off x="952587" y="972412"/>
+            <a:ext cx="1985849" cy="461665"/>
+          </a:xfrm>
+          <a:prstGeom prst="rect">
+            <a:avLst/>
+          </a:prstGeom>
+          <a:noFill/>
+          <a:ln>
+            <a:noFill/>
+          </a:ln>
+        </p:spPr>
+        <p:style>
+          <a:lnRef idx="2">
+            <a:schemeClr val="dk1"/>
+          </a:lnRef>
+          <a:fillRef idx="1">
+            <a:schemeClr val="lt1"/>
+          </a:fillRef>
+          <a:effectRef idx="0">
+            <a:schemeClr val="dk1"/>
+          </a:effectRef>
+          <a:fontRef idx="minor">
+            <a:schemeClr val="dk1"/>
+          </a:fontRef>
+        </p:style>
+        <p:txBody>
+          <a:bodyPr wrap="square" rtlCol="0">
+            <a:spAutoFit/>
+          </a:bodyPr>
+          <a:lstStyle/>
+          <a:p>
+            <a:pPr algn="ctr"/>
+            <a:r>
+              <a:rPr lang="uk-UA" sz="1200" dirty="0" smtClean="0">
+                <a:solidFill>
+                  <a:schemeClr val="tx1"/>
+                </a:solidFill>
+              </a:rPr>
+              <a:t>Користувач зареєстрований</a:t>
+            </a:r>
+            <a:endParaRPr lang="ru-RU" sz="1200" dirty="0">
+              <a:solidFill>
+                <a:schemeClr val="tx1"/>
+              </a:solidFill>
+            </a:endParaRPr>
+          </a:p>
+        </p:txBody>
+      </p:sp>
+      <p:sp>
+        <p:nvSpPr>
+          <p:cNvPr id="15" name="TextBox 14"/>
+          <p:cNvSpPr txBox="1"/>
+          <p:nvPr/>
+        </p:nvSpPr>
+        <p:spPr>
+          <a:xfrm>
+            <a:off x="1235176" y="2034594"/>
+            <a:ext cx="1371600" cy="276999"/>
+          </a:xfrm>
+          <a:prstGeom prst="rect">
+            <a:avLst/>
+          </a:prstGeom>
+          <a:noFill/>
+          <a:ln>
+            <a:solidFill>
+              <a:schemeClr val="tx1"/>
+            </a:solidFill>
+          </a:ln>
+        </p:spPr>
+        <p:txBody>
+          <a:bodyPr wrap="square" rtlCol="0">
+            <a:spAutoFit/>
+          </a:bodyPr>
+          <a:lstStyle/>
+          <a:p>
+            <a:pPr algn="ctr"/>
+            <a:r>
+              <a:rPr lang="uk-UA" sz="1200" dirty="0" smtClean="0"/>
+              <a:t>авторизація</a:t>
+            </a:r>
+            <a:endParaRPr lang="ru-RU" sz="1200" dirty="0"/>
+          </a:p>
+        </p:txBody>
+      </p:sp>
+      <p:sp>
+        <p:nvSpPr>
+          <p:cNvPr id="16" name="Параллелограмм 15"/>
+          <p:cNvSpPr/>
+          <p:nvPr/>
+        </p:nvSpPr>
+        <p:spPr>
+          <a:xfrm>
+            <a:off x="919771" y="2652596"/>
+            <a:ext cx="2018665" cy="405171"/>
+          </a:xfrm>
+          <a:prstGeom prst="parallelogram">
+            <a:avLst/>
+          </a:prstGeom>
+          <a:noFill/>
+          <a:ln>
+            <a:solidFill>
+              <a:schemeClr val="tx1"/>
+            </a:solidFill>
+          </a:ln>
+        </p:spPr>
+        <p:style>
+          <a:lnRef idx="2">
+            <a:schemeClr val="accent1">
+              <a:shade val="50000"/>
+            </a:schemeClr>
+          </a:lnRef>
+          <a:fillRef idx="1">
+            <a:schemeClr val="accent1"/>
+          </a:fillRef>
+          <a:effectRef idx="0">
+            <a:schemeClr val="accent1"/>
+          </a:effectRef>
+          <a:fontRef idx="minor">
+            <a:schemeClr val="lt1"/>
+          </a:fontRef>
+        </p:style>
+        <p:txBody>
+          <a:bodyPr rtlCol="0" anchor="ctr"/>
+          <a:lstStyle/>
+          <a:p>
+            <a:pPr algn="ctr"/>
+            <a:endParaRPr lang="ru-RU" sz="1200">
+              <a:solidFill>
+                <a:schemeClr val="tx1"/>
+              </a:solidFill>
+            </a:endParaRPr>
+          </a:p>
+        </p:txBody>
+      </p:sp>
+      <p:sp>
+        <p:nvSpPr>
+          <p:cNvPr id="17" name="TextBox 16"/>
+          <p:cNvSpPr txBox="1"/>
+          <p:nvPr/>
+        </p:nvSpPr>
+        <p:spPr>
+          <a:xfrm>
+            <a:off x="1054402" y="2702970"/>
+            <a:ext cx="2161311" cy="276999"/>
+          </a:xfrm>
+          <a:prstGeom prst="rect">
+            <a:avLst/>
+          </a:prstGeom>
+          <a:noFill/>
+          <a:ln>
+            <a:noFill/>
+          </a:ln>
+        </p:spPr>
+        <p:style>
+          <a:lnRef idx="2">
+            <a:schemeClr val="dk1"/>
+          </a:lnRef>
+          <a:fillRef idx="1">
+            <a:schemeClr val="lt1"/>
+          </a:fillRef>
+          <a:effectRef idx="0">
+            <a:schemeClr val="dk1"/>
+          </a:effectRef>
+          <a:fontRef idx="minor">
+            <a:schemeClr val="dk1"/>
+          </a:fontRef>
+        </p:style>
+        <p:txBody>
+          <a:bodyPr wrap="square" rtlCol="0">
+            <a:spAutoFit/>
+          </a:bodyPr>
+          <a:lstStyle/>
+          <a:p>
+            <a:r>
+              <a:rPr lang="uk-UA" sz="1200" dirty="0" smtClean="0">
+                <a:solidFill>
+                  <a:schemeClr val="tx1"/>
+                </a:solidFill>
+              </a:rPr>
+              <a:t>Завантаження файлу</a:t>
+            </a:r>
+            <a:endParaRPr lang="ru-RU" sz="1200" dirty="0">
+              <a:solidFill>
+                <a:schemeClr val="tx1"/>
+              </a:solidFill>
+            </a:endParaRPr>
+          </a:p>
+        </p:txBody>
+      </p:sp>
+      <p:sp>
+        <p:nvSpPr>
+          <p:cNvPr id="18" name="TextBox 17"/>
+          <p:cNvSpPr txBox="1"/>
+          <p:nvPr/>
+        </p:nvSpPr>
+        <p:spPr>
+          <a:xfrm>
+            <a:off x="1269015" y="3551396"/>
+            <a:ext cx="1221525" cy="276999"/>
+          </a:xfrm>
+          <a:prstGeom prst="rect">
+            <a:avLst/>
+          </a:prstGeom>
+          <a:noFill/>
+          <a:ln>
+            <a:noFill/>
+          </a:ln>
+        </p:spPr>
+        <p:style>
+          <a:lnRef idx="2">
+            <a:schemeClr val="dk1"/>
+          </a:lnRef>
+          <a:fillRef idx="1">
+            <a:schemeClr val="lt1"/>
+          </a:fillRef>
+          <a:effectRef idx="0">
+            <a:schemeClr val="dk1"/>
+          </a:effectRef>
+          <a:fontRef idx="minor">
+            <a:schemeClr val="dk1"/>
+          </a:fontRef>
+        </p:style>
+        <p:txBody>
+          <a:bodyPr wrap="square" rtlCol="0">
+            <a:spAutoFit/>
+          </a:bodyPr>
+          <a:lstStyle/>
+          <a:p>
+            <a:r>
+              <a:rPr lang="uk-UA" sz="1200" dirty="0" smtClean="0">
+                <a:solidFill>
+                  <a:schemeClr val="tx1"/>
+                </a:solidFill>
+              </a:rPr>
+              <a:t>Вибір формату</a:t>
+            </a:r>
+            <a:endParaRPr lang="ru-RU" sz="1200" dirty="0">
+              <a:solidFill>
+                <a:schemeClr val="tx1"/>
+              </a:solidFill>
+            </a:endParaRPr>
+          </a:p>
+        </p:txBody>
+      </p:sp>
+      <p:sp>
+        <p:nvSpPr>
+          <p:cNvPr id="21" name="Блок-схема: решение 20"/>
+          <p:cNvSpPr/>
+          <p:nvPr/>
+        </p:nvSpPr>
+        <p:spPr>
+          <a:xfrm>
+            <a:off x="727295" y="4868725"/>
+            <a:ext cx="2317216" cy="1017710"/>
+          </a:xfrm>
+          <a:prstGeom prst="flowChartDecision">
+            <a:avLst/>
+          </a:prstGeom>
+          <a:noFill/>
+          <a:ln>
+            <a:solidFill>
+              <a:schemeClr val="tx1"/>
+            </a:solidFill>
+          </a:ln>
+        </p:spPr>
+        <p:style>
+          <a:lnRef idx="2">
+            <a:schemeClr val="accent1">
+              <a:shade val="50000"/>
+            </a:schemeClr>
+          </a:lnRef>
+          <a:fillRef idx="1">
+            <a:schemeClr val="accent1"/>
+          </a:fillRef>
+          <a:effectRef idx="0">
+            <a:schemeClr val="accent1"/>
+          </a:effectRef>
+          <a:fontRef idx="minor">
+            <a:schemeClr val="lt1"/>
+          </a:fontRef>
+        </p:style>
+        <p:txBody>
+          <a:bodyPr rtlCol="0" anchor="ctr"/>
+          <a:lstStyle/>
+          <a:p>
+            <a:pPr algn="ctr"/>
+            <a:endParaRPr lang="ru-RU" sz="1200">
+              <a:solidFill>
+                <a:schemeClr val="tx1"/>
+              </a:solidFill>
+            </a:endParaRPr>
+          </a:p>
+        </p:txBody>
+      </p:sp>
+      <p:sp>
+        <p:nvSpPr>
+          <p:cNvPr id="22" name="TextBox 21"/>
+          <p:cNvSpPr txBox="1"/>
+          <p:nvPr/>
+        </p:nvSpPr>
+        <p:spPr>
+          <a:xfrm>
+            <a:off x="856290" y="5097226"/>
+            <a:ext cx="2139574" cy="646331"/>
+          </a:xfrm>
+          <a:prstGeom prst="rect">
+            <a:avLst/>
+          </a:prstGeom>
+          <a:noFill/>
+          <a:ln>
+            <a:noFill/>
+          </a:ln>
+        </p:spPr>
+        <p:style>
+          <a:lnRef idx="2">
+            <a:schemeClr val="dk1"/>
+          </a:lnRef>
+          <a:fillRef idx="1">
+            <a:schemeClr val="lt1"/>
+          </a:fillRef>
+          <a:effectRef idx="0">
+            <a:schemeClr val="dk1"/>
+          </a:effectRef>
+          <a:fontRef idx="minor">
+            <a:schemeClr val="dk1"/>
+          </a:fontRef>
+        </p:style>
+        <p:txBody>
+          <a:bodyPr wrap="square" rtlCol="0">
+            <a:spAutoFit/>
+          </a:bodyPr>
+          <a:lstStyle/>
+          <a:p>
+            <a:pPr algn="ctr"/>
+            <a:r>
+              <a:rPr lang="uk-UA" sz="1200" dirty="0" smtClean="0">
+                <a:solidFill>
+                  <a:schemeClr val="tx1"/>
+                </a:solidFill>
+              </a:rPr>
+              <a:t>Завантажений файл відповідає вибраному формату</a:t>
+            </a:r>
+            <a:endParaRPr lang="ru-RU" sz="1200" dirty="0">
+              <a:solidFill>
+                <a:schemeClr val="tx1"/>
+              </a:solidFill>
+            </a:endParaRPr>
+          </a:p>
+        </p:txBody>
+      </p:sp>
+      <p:sp>
+        <p:nvSpPr>
+          <p:cNvPr id="23" name="Параллелограмм 22"/>
+          <p:cNvSpPr/>
+          <p:nvPr/>
+        </p:nvSpPr>
+        <p:spPr>
+          <a:xfrm>
+            <a:off x="876571" y="3522977"/>
+            <a:ext cx="2018665" cy="405171"/>
+          </a:xfrm>
+          <a:prstGeom prst="parallelogram">
+            <a:avLst/>
+          </a:prstGeom>
+          <a:noFill/>
+          <a:ln>
+            <a:solidFill>
+              <a:schemeClr val="tx1"/>
+            </a:solidFill>
+          </a:ln>
+        </p:spPr>
+        <p:style>
+          <a:lnRef idx="2">
+            <a:schemeClr val="accent1">
+              <a:shade val="50000"/>
+            </a:schemeClr>
+          </a:lnRef>
+          <a:fillRef idx="1">
+            <a:schemeClr val="accent1"/>
+          </a:fillRef>
+          <a:effectRef idx="0">
+            <a:schemeClr val="accent1"/>
+          </a:effectRef>
+          <a:fontRef idx="minor">
+            <a:schemeClr val="lt1"/>
+          </a:fontRef>
+        </p:style>
+        <p:txBody>
+          <a:bodyPr rtlCol="0" anchor="ctr"/>
+          <a:lstStyle/>
+          <a:p>
+            <a:pPr algn="ctr"/>
+            <a:endParaRPr lang="ru-RU" sz="1200">
+              <a:solidFill>
+                <a:schemeClr val="tx1"/>
+              </a:solidFill>
+            </a:endParaRPr>
+          </a:p>
+        </p:txBody>
+      </p:sp>
+      <p:cxnSp>
+        <p:nvCxnSpPr>
+          <p:cNvPr id="25" name="Прямая со стрелкой 24"/>
+          <p:cNvCxnSpPr>
+            <a:stCxn id="11" idx="2"/>
+            <a:endCxn id="13" idx="0"/>
+          </p:cNvCxnSpPr>
+          <p:nvPr/>
+        </p:nvCxnSpPr>
+        <p:spPr>
+          <a:xfrm>
+            <a:off x="1906687" y="510875"/>
+            <a:ext cx="10033" cy="282761"/>
+          </a:xfrm>
+          <a:prstGeom prst="straightConnector1">
+            <a:avLst/>
+          </a:prstGeom>
+          <a:ln>
+            <a:solidFill>
+              <a:schemeClr val="tx1"/>
+            </a:solidFill>
+            <a:tailEnd type="triangle"/>
+          </a:ln>
+        </p:spPr>
+        <p:style>
+          <a:lnRef idx="1">
+            <a:schemeClr val="accent1"/>
+          </a:lnRef>
+          <a:fillRef idx="0">
+            <a:schemeClr val="accent1"/>
+          </a:fillRef>
+          <a:effectRef idx="0">
+            <a:schemeClr val="accent1"/>
+          </a:effectRef>
+          <a:fontRef idx="minor">
+            <a:schemeClr val="tx1"/>
+          </a:fontRef>
+        </p:style>
+      </p:cxnSp>
+      <p:cxnSp>
+        <p:nvCxnSpPr>
+          <p:cNvPr id="29" name="Прямая со стрелкой 28"/>
+          <p:cNvCxnSpPr>
+            <a:stCxn id="13" idx="2"/>
+            <a:endCxn id="15" idx="0"/>
+          </p:cNvCxnSpPr>
+          <p:nvPr/>
+        </p:nvCxnSpPr>
+        <p:spPr>
+          <a:xfrm>
+            <a:off x="1916720" y="1634221"/>
+            <a:ext cx="4256" cy="400373"/>
+          </a:xfrm>
+          <a:prstGeom prst="straightConnector1">
+            <a:avLst/>
+          </a:prstGeom>
+          <a:ln>
+            <a:solidFill>
+              <a:schemeClr val="tx1"/>
+            </a:solidFill>
+            <a:tailEnd type="triangle"/>
+          </a:ln>
+        </p:spPr>
+        <p:style>
+          <a:lnRef idx="1">
+            <a:schemeClr val="accent1"/>
+          </a:lnRef>
+          <a:fillRef idx="0">
+            <a:schemeClr val="accent1"/>
+          </a:fillRef>
+          <a:effectRef idx="0">
+            <a:schemeClr val="accent1"/>
+          </a:effectRef>
+          <a:fontRef idx="minor">
+            <a:schemeClr val="tx1"/>
+          </a:fontRef>
+        </p:style>
+      </p:cxnSp>
+      <p:cxnSp>
+        <p:nvCxnSpPr>
+          <p:cNvPr id="32" name="Прямая со стрелкой 31"/>
+          <p:cNvCxnSpPr>
+            <a:stCxn id="15" idx="2"/>
+            <a:endCxn id="16" idx="0"/>
+          </p:cNvCxnSpPr>
+          <p:nvPr/>
+        </p:nvCxnSpPr>
+        <p:spPr>
+          <a:xfrm>
+            <a:off x="1920976" y="2311593"/>
+            <a:ext cx="8128" cy="341003"/>
+          </a:xfrm>
+          <a:prstGeom prst="straightConnector1">
+            <a:avLst/>
+          </a:prstGeom>
+          <a:ln>
+            <a:solidFill>
+              <a:schemeClr val="tx1"/>
+            </a:solidFill>
+            <a:tailEnd type="triangle"/>
+          </a:ln>
+        </p:spPr>
+        <p:style>
+          <a:lnRef idx="1">
+            <a:schemeClr val="accent1"/>
+          </a:lnRef>
+          <a:fillRef idx="0">
+            <a:schemeClr val="accent1"/>
+          </a:fillRef>
+          <a:effectRef idx="0">
+            <a:schemeClr val="accent1"/>
+          </a:effectRef>
+          <a:fontRef idx="minor">
+            <a:schemeClr val="tx1"/>
+          </a:fontRef>
+        </p:style>
+      </p:cxnSp>
+      <p:cxnSp>
+        <p:nvCxnSpPr>
+          <p:cNvPr id="34" name="Прямая со стрелкой 33"/>
+          <p:cNvCxnSpPr>
+            <a:stCxn id="16" idx="3"/>
+            <a:endCxn id="18" idx="0"/>
+          </p:cNvCxnSpPr>
+          <p:nvPr/>
+        </p:nvCxnSpPr>
+        <p:spPr>
+          <a:xfrm>
+            <a:off x="1878457" y="3057767"/>
+            <a:ext cx="1321" cy="493629"/>
+          </a:xfrm>
+          <a:prstGeom prst="straightConnector1">
+            <a:avLst/>
+          </a:prstGeom>
+          <a:ln>
+            <a:solidFill>
+              <a:schemeClr val="tx1"/>
+            </a:solidFill>
+            <a:tailEnd type="triangle"/>
+          </a:ln>
+        </p:spPr>
+        <p:style>
+          <a:lnRef idx="1">
+            <a:schemeClr val="accent1"/>
+          </a:lnRef>
+          <a:fillRef idx="0">
+            <a:schemeClr val="accent1"/>
+          </a:fillRef>
+          <a:effectRef idx="0">
+            <a:schemeClr val="accent1"/>
+          </a:effectRef>
+          <a:fontRef idx="minor">
+            <a:schemeClr val="tx1"/>
+          </a:fontRef>
+        </p:style>
+      </p:cxnSp>
+      <p:cxnSp>
+        <p:nvCxnSpPr>
+          <p:cNvPr id="36" name="Прямая со стрелкой 35"/>
+          <p:cNvCxnSpPr>
+            <a:stCxn id="23" idx="4"/>
+            <a:endCxn id="7" idx="0"/>
+          </p:cNvCxnSpPr>
+          <p:nvPr/>
+        </p:nvCxnSpPr>
+        <p:spPr>
+          <a:xfrm flipH="1">
+            <a:off x="1885903" y="3928148"/>
+            <a:ext cx="1" cy="394882"/>
+          </a:xfrm>
+          <a:prstGeom prst="straightConnector1">
+            <a:avLst/>
+          </a:prstGeom>
+          <a:ln>
+            <a:solidFill>
+              <a:schemeClr val="tx1"/>
+            </a:solidFill>
+            <a:tailEnd type="triangle"/>
+          </a:ln>
+        </p:spPr>
+        <p:style>
+          <a:lnRef idx="1">
+            <a:schemeClr val="accent1"/>
+          </a:lnRef>
+          <a:fillRef idx="0">
+            <a:schemeClr val="accent1"/>
+          </a:fillRef>
+          <a:effectRef idx="0">
+            <a:schemeClr val="accent1"/>
+          </a:effectRef>
+          <a:fontRef idx="minor">
+            <a:schemeClr val="tx1"/>
+          </a:fontRef>
+        </p:style>
+      </p:cxnSp>
+      <p:cxnSp>
+        <p:nvCxnSpPr>
+          <p:cNvPr id="47" name="Прямая со стрелкой 46"/>
+          <p:cNvCxnSpPr>
+            <a:stCxn id="21" idx="2"/>
+            <a:endCxn id="9" idx="0"/>
+          </p:cNvCxnSpPr>
+          <p:nvPr/>
+        </p:nvCxnSpPr>
+        <p:spPr>
+          <a:xfrm>
+            <a:off x="1885903" y="5886435"/>
+            <a:ext cx="2337" cy="228501"/>
+          </a:xfrm>
+          <a:prstGeom prst="straightConnector1">
+            <a:avLst/>
+          </a:prstGeom>
+          <a:ln>
+            <a:solidFill>
+              <a:schemeClr val="tx1"/>
+            </a:solidFill>
+            <a:tailEnd type="triangle"/>
+          </a:ln>
+        </p:spPr>
+        <p:style>
+          <a:lnRef idx="1">
+            <a:schemeClr val="accent1"/>
+          </a:lnRef>
+          <a:fillRef idx="0">
+            <a:schemeClr val="accent1"/>
+          </a:fillRef>
+          <a:effectRef idx="0">
+            <a:schemeClr val="accent1"/>
+          </a:effectRef>
+          <a:fontRef idx="minor">
+            <a:schemeClr val="tx1"/>
+          </a:fontRef>
+        </p:style>
+      </p:cxnSp>
+      <p:cxnSp>
+        <p:nvCxnSpPr>
+          <p:cNvPr id="49" name="Прямая со стрелкой 48"/>
+          <p:cNvCxnSpPr>
+            <a:stCxn id="14" idx="3"/>
+            <a:endCxn id="8" idx="1"/>
+          </p:cNvCxnSpPr>
+          <p:nvPr/>
+        </p:nvCxnSpPr>
+        <p:spPr>
+          <a:xfrm>
+            <a:off x="2938436" y="1203245"/>
+            <a:ext cx="528848" cy="13701"/>
+          </a:xfrm>
+          <a:prstGeom prst="straightConnector1">
+            <a:avLst/>
+          </a:prstGeom>
+          <a:ln>
+            <a:solidFill>
+              <a:schemeClr val="tx1"/>
+            </a:solidFill>
+            <a:tailEnd type="triangle"/>
+          </a:ln>
+        </p:spPr>
+        <p:style>
+          <a:lnRef idx="1">
+            <a:schemeClr val="accent1"/>
+          </a:lnRef>
+          <a:fillRef idx="0">
+            <a:schemeClr val="accent1"/>
+          </a:fillRef>
+          <a:effectRef idx="0">
+            <a:schemeClr val="accent1"/>
+          </a:effectRef>
+          <a:fontRef idx="minor">
+            <a:schemeClr val="tx1"/>
+          </a:fontRef>
+        </p:style>
+      </p:cxnSp>
+      <p:cxnSp>
+        <p:nvCxnSpPr>
+          <p:cNvPr id="51" name="Соединительная линия уступом 50"/>
+          <p:cNvCxnSpPr>
+            <a:stCxn id="8" idx="2"/>
+            <a:endCxn id="15" idx="3"/>
+          </p:cNvCxnSpPr>
+          <p:nvPr/>
+        </p:nvCxnSpPr>
+        <p:spPr>
+          <a:xfrm rot="5400000">
+            <a:off x="2971106" y="991115"/>
+            <a:ext cx="817649" cy="1546308"/>
+          </a:xfrm>
+          <a:prstGeom prst="bentConnector2">
+            <a:avLst/>
+          </a:prstGeom>
+          <a:ln>
+            <a:solidFill>
+              <a:schemeClr val="tx1"/>
+            </a:solidFill>
+            <a:tailEnd type="triangle"/>
+          </a:ln>
+        </p:spPr>
+        <p:style>
+          <a:lnRef idx="1">
+            <a:schemeClr val="accent1"/>
+          </a:lnRef>
+          <a:fillRef idx="0">
+            <a:schemeClr val="accent1"/>
+          </a:fillRef>
+          <a:effectRef idx="0">
+            <a:schemeClr val="accent1"/>
+          </a:effectRef>
+          <a:fontRef idx="minor">
+            <a:schemeClr val="tx1"/>
+          </a:fontRef>
+        </p:style>
+      </p:cxnSp>
+      <p:cxnSp>
+        <p:nvCxnSpPr>
+          <p:cNvPr id="54" name="Соединительная линия уступом 53"/>
+          <p:cNvCxnSpPr>
+            <a:endCxn id="23" idx="2"/>
+          </p:cNvCxnSpPr>
+          <p:nvPr/>
+        </p:nvCxnSpPr>
+        <p:spPr>
+          <a:xfrm rot="16200000" flipV="1">
+            <a:off x="2675487" y="3894667"/>
+            <a:ext cx="1646701" cy="1308494"/>
+          </a:xfrm>
+          <a:prstGeom prst="bentConnector2">
+            <a:avLst/>
+          </a:prstGeom>
+          <a:ln>
+            <a:solidFill>
+              <a:schemeClr val="tx1"/>
+            </a:solidFill>
+            <a:tailEnd type="triangle"/>
+          </a:ln>
+        </p:spPr>
+        <p:style>
+          <a:lnRef idx="1">
+            <a:schemeClr val="accent1"/>
+          </a:lnRef>
+          <a:fillRef idx="0">
+            <a:schemeClr val="accent1"/>
+          </a:fillRef>
+          <a:effectRef idx="0">
+            <a:schemeClr val="accent1"/>
+          </a:effectRef>
+          <a:fontRef idx="minor">
+            <a:schemeClr val="tx1"/>
+          </a:fontRef>
+        </p:style>
+      </p:cxnSp>
+      <p:cxnSp>
+        <p:nvCxnSpPr>
+          <p:cNvPr id="67" name="Прямая соединительная линия 66"/>
+          <p:cNvCxnSpPr>
+            <a:stCxn id="21" idx="3"/>
+          </p:cNvCxnSpPr>
+          <p:nvPr/>
+        </p:nvCxnSpPr>
+        <p:spPr>
+          <a:xfrm flipV="1">
+            <a:off x="3044511" y="5372266"/>
+            <a:ext cx="1099891" cy="5314"/>
+          </a:xfrm>
+          <a:prstGeom prst="line">
+            <a:avLst/>
+          </a:prstGeom>
+          <a:ln>
+            <a:solidFill>
+              <a:schemeClr val="tx1"/>
+            </a:solidFill>
+          </a:ln>
+        </p:spPr>
+        <p:style>
+          <a:lnRef idx="1">
+            <a:schemeClr val="accent1"/>
+          </a:lnRef>
+          <a:fillRef idx="0">
+            <a:schemeClr val="accent1"/>
+          </a:fillRef>
+          <a:effectRef idx="0">
+            <a:schemeClr val="accent1"/>
+          </a:effectRef>
+          <a:fontRef idx="minor">
+            <a:schemeClr val="tx1"/>
+          </a:fontRef>
+        </p:style>
+      </p:cxnSp>
+      <p:cxnSp>
+        <p:nvCxnSpPr>
+          <p:cNvPr id="102" name="Прямая со стрелкой 101"/>
+          <p:cNvCxnSpPr>
+            <a:stCxn id="7" idx="2"/>
+            <a:endCxn id="21" idx="0"/>
+          </p:cNvCxnSpPr>
+          <p:nvPr/>
+        </p:nvCxnSpPr>
+        <p:spPr>
+          <a:xfrm>
+            <a:off x="1885903" y="4600029"/>
+            <a:ext cx="0" cy="268696"/>
+          </a:xfrm>
+          <a:prstGeom prst="straightConnector1">
+            <a:avLst/>
+          </a:prstGeom>
+          <a:ln>
+            <a:solidFill>
+              <a:schemeClr val="tx1"/>
+            </a:solidFill>
+            <a:tailEnd type="triangle"/>
+          </a:ln>
+        </p:spPr>
+        <p:style>
+          <a:lnRef idx="1">
+            <a:schemeClr val="accent1"/>
+          </a:lnRef>
+          <a:fillRef idx="0">
+            <a:schemeClr val="accent1"/>
+          </a:fillRef>
+          <a:effectRef idx="0">
+            <a:schemeClr val="accent1"/>
+          </a:effectRef>
+          <a:fontRef idx="minor">
+            <a:schemeClr val="tx1"/>
+          </a:fontRef>
+        </p:style>
+      </p:cxnSp>
+      <p:sp>
+        <p:nvSpPr>
+          <p:cNvPr id="108" name="TextBox 107"/>
+          <p:cNvSpPr txBox="1"/>
+          <p:nvPr/>
+        </p:nvSpPr>
+        <p:spPr>
+          <a:xfrm>
+            <a:off x="1754694" y="1679797"/>
+            <a:ext cx="735846" cy="276999"/>
+          </a:xfrm>
+          <a:prstGeom prst="rect">
+            <a:avLst/>
+          </a:prstGeom>
+          <a:noFill/>
+          <a:ln>
+            <a:noFill/>
+          </a:ln>
+        </p:spPr>
+        <p:style>
+          <a:lnRef idx="2">
+            <a:schemeClr val="dk1"/>
+          </a:lnRef>
+          <a:fillRef idx="1">
+            <a:schemeClr val="lt1"/>
+          </a:fillRef>
+          <a:effectRef idx="0">
+            <a:schemeClr val="dk1"/>
+          </a:effectRef>
+          <a:fontRef idx="minor">
+            <a:schemeClr val="dk1"/>
+          </a:fontRef>
+        </p:style>
+        <p:txBody>
+          <a:bodyPr wrap="square" rtlCol="0">
+            <a:spAutoFit/>
+          </a:bodyPr>
+          <a:lstStyle/>
+          <a:p>
+            <a:pPr algn="ctr"/>
+            <a:r>
+              <a:rPr lang="uk-UA" sz="1200" dirty="0" smtClean="0">
+                <a:solidFill>
+                  <a:schemeClr val="tx1"/>
+                </a:solidFill>
+              </a:rPr>
+              <a:t>Так</a:t>
+            </a:r>
+            <a:endParaRPr lang="ru-RU" sz="1200" dirty="0">
+              <a:solidFill>
+                <a:schemeClr val="tx1"/>
+              </a:solidFill>
+            </a:endParaRPr>
+          </a:p>
+        </p:txBody>
+      </p:sp>
+      <p:sp>
+        <p:nvSpPr>
+          <p:cNvPr id="109" name="TextBox 108"/>
+          <p:cNvSpPr txBox="1"/>
+          <p:nvPr/>
+        </p:nvSpPr>
+        <p:spPr>
+          <a:xfrm>
+            <a:off x="1693474" y="5837937"/>
+            <a:ext cx="735846" cy="276999"/>
+          </a:xfrm>
+          <a:prstGeom prst="rect">
+            <a:avLst/>
+          </a:prstGeom>
+          <a:noFill/>
+          <a:ln>
+            <a:noFill/>
+          </a:ln>
+        </p:spPr>
+        <p:style>
+          <a:lnRef idx="2">
+            <a:schemeClr val="dk1"/>
+          </a:lnRef>
+          <a:fillRef idx="1">
+            <a:schemeClr val="lt1"/>
+          </a:fillRef>
+          <a:effectRef idx="0">
+            <a:schemeClr val="dk1"/>
+          </a:effectRef>
+          <a:fontRef idx="minor">
+            <a:schemeClr val="dk1"/>
+          </a:fontRef>
+        </p:style>
+        <p:txBody>
+          <a:bodyPr wrap="square" rtlCol="0">
+            <a:spAutoFit/>
+          </a:bodyPr>
+          <a:lstStyle/>
+          <a:p>
+            <a:pPr algn="ctr"/>
+            <a:r>
+              <a:rPr lang="uk-UA" sz="1200" dirty="0" smtClean="0">
+                <a:solidFill>
+                  <a:schemeClr val="tx1"/>
+                </a:solidFill>
+              </a:rPr>
+              <a:t>Так</a:t>
+            </a:r>
+            <a:endParaRPr lang="ru-RU" sz="1200" dirty="0">
+              <a:solidFill>
+                <a:schemeClr val="tx1"/>
+              </a:solidFill>
+            </a:endParaRPr>
+          </a:p>
+        </p:txBody>
+      </p:sp>
+      <p:sp>
+        <p:nvSpPr>
+          <p:cNvPr id="110" name="TextBox 109"/>
+          <p:cNvSpPr txBox="1"/>
+          <p:nvPr/>
+        </p:nvSpPr>
+        <p:spPr>
+          <a:xfrm>
+            <a:off x="2834937" y="939946"/>
+            <a:ext cx="735846" cy="276999"/>
+          </a:xfrm>
+          <a:prstGeom prst="rect">
+            <a:avLst/>
+          </a:prstGeom>
+          <a:noFill/>
+          <a:ln>
+            <a:noFill/>
+          </a:ln>
+        </p:spPr>
+        <p:style>
+          <a:lnRef idx="2">
+            <a:schemeClr val="dk1"/>
+          </a:lnRef>
+          <a:fillRef idx="1">
+            <a:schemeClr val="lt1"/>
+          </a:fillRef>
+          <a:effectRef idx="0">
+            <a:schemeClr val="dk1"/>
+          </a:effectRef>
+          <a:fontRef idx="minor">
+            <a:schemeClr val="dk1"/>
+          </a:fontRef>
+        </p:style>
+        <p:txBody>
+          <a:bodyPr wrap="square" rtlCol="0">
+            <a:spAutoFit/>
+          </a:bodyPr>
+          <a:lstStyle/>
+          <a:p>
+            <a:pPr algn="ctr"/>
+            <a:r>
+              <a:rPr lang="uk-UA" sz="1200" dirty="0" smtClean="0">
+                <a:solidFill>
+                  <a:schemeClr val="tx1"/>
+                </a:solidFill>
+              </a:rPr>
+              <a:t>Ні</a:t>
+            </a:r>
+            <a:endParaRPr lang="ru-RU" sz="1200" dirty="0">
+              <a:solidFill>
+                <a:schemeClr val="tx1"/>
+              </a:solidFill>
+            </a:endParaRPr>
+          </a:p>
+        </p:txBody>
+      </p:sp>
+      <p:sp>
+        <p:nvSpPr>
+          <p:cNvPr id="111" name="TextBox 110"/>
+          <p:cNvSpPr txBox="1"/>
+          <p:nvPr/>
+        </p:nvSpPr>
+        <p:spPr>
+          <a:xfrm>
+            <a:off x="3173506" y="5121094"/>
+            <a:ext cx="735846" cy="276999"/>
+          </a:xfrm>
+          <a:prstGeom prst="rect">
+            <a:avLst/>
+          </a:prstGeom>
+          <a:noFill/>
+          <a:ln>
+            <a:noFill/>
+          </a:ln>
+        </p:spPr>
+        <p:style>
+          <a:lnRef idx="2">
+            <a:schemeClr val="dk1"/>
+          </a:lnRef>
+          <a:fillRef idx="1">
+            <a:schemeClr val="lt1"/>
+          </a:fillRef>
+          <a:effectRef idx="0">
+            <a:schemeClr val="dk1"/>
+          </a:effectRef>
+          <a:fontRef idx="minor">
+            <a:schemeClr val="dk1"/>
+          </a:fontRef>
+        </p:style>
+        <p:txBody>
+          <a:bodyPr wrap="square" rtlCol="0">
+            <a:spAutoFit/>
+          </a:bodyPr>
+          <a:lstStyle/>
+          <a:p>
+            <a:pPr algn="ctr"/>
+            <a:r>
+              <a:rPr lang="uk-UA" sz="1200" dirty="0" smtClean="0">
+                <a:solidFill>
+                  <a:schemeClr val="tx1"/>
+                </a:solidFill>
+              </a:rPr>
+              <a:t>Ні</a:t>
+            </a:r>
+            <a:endParaRPr lang="ru-RU" sz="1200" dirty="0">
+              <a:solidFill>
+                <a:schemeClr val="tx1"/>
+              </a:solidFill>
+            </a:endParaRPr>
+          </a:p>
+        </p:txBody>
+      </p:sp>
+    </p:spTree>
+    <p:extLst>
+      <p:ext uri="{BB962C8B-B14F-4D97-AF65-F5344CB8AC3E}">
+        <p14:creationId xmlns:p14="http://schemas.microsoft.com/office/powerpoint/2010/main" val="785516906"/>
       </p:ext>
     </p:extLst>
   </p:cSld>
